--- a/kubernetes/k8s009.pptx
+++ b/kubernetes/k8s009.pptx
@@ -206,7 +206,7 @@
           <a:p>
             <a:fld id="{63F136E3-80C6-A842-B275-74FC7A4265FC}" type="datetimeFigureOut">
               <a:rPr kumimoji="1" lang="zh-CN" altLang="en-US" smtClean="0"/>
-              <a:t>2019/7/8</a:t>
+              <a:t>2019/7/18</a:t>
             </a:fld>
             <a:endParaRPr kumimoji="1" lang="zh-CN" altLang="en-US"/>
           </a:p>
@@ -270,38 +270,37 @@
           <a:p>
             <a:pPr lvl="0"/>
             <a:r>
-              <a:rPr kumimoji="1" lang="zh-CN" altLang="en-US" smtClean="0"/>
+              <a:rPr kumimoji="1" lang="zh-CN" altLang="en-US"/>
               <a:t>单击此处编辑母版文本样式</a:t>
             </a:r>
           </a:p>
           <a:p>
             <a:pPr lvl="1"/>
             <a:r>
-              <a:rPr kumimoji="1" lang="zh-CN" altLang="en-US" smtClean="0"/>
+              <a:rPr kumimoji="1" lang="zh-CN" altLang="en-US"/>
               <a:t>二级</a:t>
             </a:r>
           </a:p>
           <a:p>
             <a:pPr lvl="2"/>
             <a:r>
-              <a:rPr kumimoji="1" lang="zh-CN" altLang="en-US" smtClean="0"/>
+              <a:rPr kumimoji="1" lang="zh-CN" altLang="en-US"/>
               <a:t>三级</a:t>
             </a:r>
           </a:p>
           <a:p>
             <a:pPr lvl="3"/>
             <a:r>
-              <a:rPr kumimoji="1" lang="zh-CN" altLang="en-US" smtClean="0"/>
+              <a:rPr kumimoji="1" lang="zh-CN" altLang="en-US"/>
               <a:t>四级</a:t>
             </a:r>
           </a:p>
           <a:p>
             <a:pPr lvl="4"/>
             <a:r>
-              <a:rPr kumimoji="1" lang="zh-CN" altLang="en-US" smtClean="0"/>
+              <a:rPr kumimoji="1" lang="zh-CN" altLang="en-US"/>
               <a:t>五级</a:t>
             </a:r>
-            <a:endParaRPr kumimoji="1" lang="zh-CN" altLang="en-US"/>
           </a:p>
         </p:txBody>
       </p:sp>
@@ -536,31 +535,31 @@
               <a:defRPr/>
             </a:pPr>
             <a:r>
-              <a:rPr lang="zh-CN" altLang="fr-FR" dirty="0" smtClean="0">
+              <a:rPr lang="zh-CN" altLang="fr-FR" dirty="0">
                 <a:effectLst/>
               </a:rPr>
               <a:t>会把</a:t>
             </a:r>
             <a:r>
-              <a:rPr lang="fr-FR" altLang="zh-CN" dirty="0" smtClean="0">
+              <a:rPr lang="fr-FR" altLang="zh-CN" dirty="0">
                 <a:effectLst/>
               </a:rPr>
               <a:t>ns</a:t>
             </a:r>
             <a:r>
-              <a:rPr lang="zh-CN" altLang="fr-FR" dirty="0" smtClean="0">
+              <a:rPr lang="zh-CN" altLang="fr-FR" dirty="0">
                 <a:effectLst/>
               </a:rPr>
               <a:t>下所有</a:t>
             </a:r>
             <a:r>
-              <a:rPr lang="fr-FR" altLang="zh-CN" dirty="0" err="1" smtClean="0">
+              <a:rPr lang="fr-FR" altLang="zh-CN" dirty="0" err="1">
                 <a:effectLst/>
               </a:rPr>
               <a:t>object</a:t>
             </a:r>
             <a:r>
-              <a:rPr lang="zh-CN" altLang="fr-FR" dirty="0" smtClean="0">
+              <a:rPr lang="zh-CN" altLang="fr-FR" dirty="0">
                 <a:effectLst/>
               </a:rPr>
               <a:t>清理</a:t>
@@ -652,54 +651,54 @@
           <a:lstStyle/>
           <a:p>
             <a:r>
-              <a:rPr lang="zh-CN" altLang="en-US" dirty="0" smtClean="0">
+              <a:rPr lang="zh-CN" altLang="en-US" dirty="0">
                 <a:effectLst/>
               </a:rPr>
               <a:t>第二个</a:t>
             </a:r>
             <a:r>
-              <a:rPr lang="en-US" altLang="zh-CN" dirty="0" err="1" smtClean="0">
+              <a:rPr lang="en-US" altLang="zh-CN" dirty="0" err="1">
                 <a:effectLst/>
               </a:rPr>
               <a:t>pvc</a:t>
             </a:r>
             <a:r>
-              <a:rPr lang="zh-CN" altLang="en-US" dirty="0" smtClean="0">
+              <a:rPr lang="zh-CN" altLang="en-US" dirty="0">
                 <a:effectLst/>
               </a:rPr>
               <a:t>创建时出错</a:t>
             </a:r>
-            <a:endParaRPr lang="en-US" altLang="zh-CN" dirty="0" smtClean="0">
+            <a:endParaRPr lang="en-US" altLang="zh-CN" dirty="0">
               <a:effectLst/>
             </a:endParaRPr>
           </a:p>
           <a:p>
             <a:r>
-              <a:rPr lang="en-US" altLang="zh-CN" dirty="0" smtClean="0">
+              <a:rPr lang="en-US" altLang="zh-CN" dirty="0">
                 <a:effectLst/>
               </a:rPr>
               <a:t>Error from server (Forbidden): error when creating "quota-objects-pvc-2.yaml": </a:t>
             </a:r>
             <a:r>
-              <a:rPr lang="en-US" altLang="zh-CN" dirty="0" err="1" smtClean="0">
+              <a:rPr lang="en-US" altLang="zh-CN" dirty="0" err="1">
                 <a:effectLst/>
               </a:rPr>
               <a:t>persistentvolumeclaims</a:t>
             </a:r>
             <a:r>
-              <a:rPr lang="en-US" altLang="zh-CN" dirty="0" smtClean="0">
+              <a:rPr lang="en-US" altLang="zh-CN" dirty="0">
                 <a:effectLst/>
               </a:rPr>
               <a:t> "pvc-quota-demo-2" is forbidden: exceeded quota: object-quota-demo, requested: </a:t>
             </a:r>
             <a:r>
-              <a:rPr lang="en-US" altLang="zh-CN" dirty="0" err="1" smtClean="0">
+              <a:rPr lang="en-US" altLang="zh-CN" dirty="0" err="1">
                 <a:effectLst/>
               </a:rPr>
               <a:t>persistentvolumeclaims</a:t>
             </a:r>
             <a:r>
-              <a:rPr lang="en-US" altLang="zh-CN" dirty="0" smtClean="0">
+              <a:rPr lang="en-US" altLang="zh-CN" dirty="0">
                 <a:effectLst/>
               </a:rPr>
               <a:t>=1,</a:t>
@@ -707,31 +706,31 @@
           </a:p>
           <a:p>
             <a:r>
-              <a:rPr lang="en-US" altLang="zh-CN" dirty="0" smtClean="0">
+              <a:rPr lang="en-US" altLang="zh-CN" dirty="0">
                 <a:effectLst/>
               </a:rPr>
               <a:t>used: </a:t>
             </a:r>
             <a:r>
-              <a:rPr lang="en-US" altLang="zh-CN" dirty="0" err="1" smtClean="0">
+              <a:rPr lang="en-US" altLang="zh-CN" dirty="0" err="1">
                 <a:effectLst/>
               </a:rPr>
               <a:t>persistentvolumeclaims</a:t>
             </a:r>
             <a:r>
-              <a:rPr lang="en-US" altLang="zh-CN" dirty="0" smtClean="0">
+              <a:rPr lang="en-US" altLang="zh-CN" dirty="0">
                 <a:effectLst/>
               </a:rPr>
               <a:t>=1, limited: </a:t>
             </a:r>
             <a:r>
-              <a:rPr lang="en-US" altLang="zh-CN" dirty="0" err="1" smtClean="0">
+              <a:rPr lang="en-US" altLang="zh-CN" dirty="0" err="1">
                 <a:effectLst/>
               </a:rPr>
               <a:t>persistentvolumeclaims</a:t>
             </a:r>
             <a:r>
-              <a:rPr lang="en-US" altLang="zh-CN" dirty="0" smtClean="0">
+              <a:rPr lang="en-US" altLang="zh-CN" dirty="0">
                 <a:effectLst/>
               </a:rPr>
               <a:t>=1 </a:t>
@@ -840,24 +839,24 @@
               <a:defRPr/>
             </a:pPr>
             <a:r>
-              <a:rPr lang="zh-CN" altLang="en-US" dirty="0" smtClean="0">
+              <a:rPr lang="zh-CN" altLang="en-US" dirty="0">
                 <a:effectLst/>
               </a:rPr>
               <a:t>第二个</a:t>
             </a:r>
             <a:r>
-              <a:rPr lang="en-US" altLang="zh-CN" dirty="0" smtClean="0">
+              <a:rPr lang="en-US" altLang="zh-CN" dirty="0">
                 <a:effectLst/>
               </a:rPr>
               <a:t>pod</a:t>
             </a:r>
             <a:r>
-              <a:rPr lang="zh-CN" altLang="en-US" dirty="0" smtClean="0">
+              <a:rPr lang="zh-CN" altLang="en-US" dirty="0">
                 <a:effectLst/>
               </a:rPr>
               <a:t>创建时出错</a:t>
             </a:r>
-            <a:endParaRPr lang="en-US" altLang="zh-CN" dirty="0" smtClean="0">
+            <a:endParaRPr lang="en-US" altLang="zh-CN" dirty="0">
               <a:effectLst/>
             </a:endParaRPr>
           </a:p>
@@ -880,43 +879,43 @@
               <a:defRPr/>
             </a:pPr>
             <a:r>
-              <a:rPr lang="en-US" altLang="zh-CN" dirty="0" smtClean="0">
+              <a:rPr lang="en-US" altLang="zh-CN" dirty="0">
                 <a:effectLst/>
               </a:rPr>
               <a:t>Error from server (Forbidden): error when creating "quota-mem-cpu-pod-2.yaml": pods "quota-mem-cpu-demo-2" is forbidden: exceeded quota: object-quota-demo, requested: </a:t>
             </a:r>
             <a:r>
-              <a:rPr lang="en-US" altLang="zh-CN" dirty="0" err="1" smtClean="0">
+              <a:rPr lang="en-US" altLang="zh-CN" dirty="0" err="1">
                 <a:effectLst/>
               </a:rPr>
               <a:t>requests.memory</a:t>
             </a:r>
             <a:r>
-              <a:rPr lang="en-US" altLang="zh-CN" dirty="0" smtClean="0">
+              <a:rPr lang="en-US" altLang="zh-CN" dirty="0">
                 <a:effectLst/>
               </a:rPr>
               <a:t>=700Mi, used: </a:t>
             </a:r>
             <a:r>
-              <a:rPr lang="en-US" altLang="zh-CN" dirty="0" err="1" smtClean="0">
+              <a:rPr lang="en-US" altLang="zh-CN" dirty="0" err="1">
                 <a:effectLst/>
               </a:rPr>
               <a:t>requests.memory</a:t>
             </a:r>
             <a:r>
-              <a:rPr lang="en-US" altLang="zh-CN" dirty="0" smtClean="0">
+              <a:rPr lang="en-US" altLang="zh-CN" dirty="0">
                 <a:effectLst/>
               </a:rPr>
               <a:t>=600Mi, limited: </a:t>
             </a:r>
             <a:r>
-              <a:rPr lang="en-US" altLang="zh-CN" dirty="0" err="1" smtClean="0">
+              <a:rPr lang="en-US" altLang="zh-CN" dirty="0" err="1">
                 <a:effectLst/>
               </a:rPr>
               <a:t>requests.memory</a:t>
             </a:r>
             <a:r>
-              <a:rPr lang="en-US" altLang="zh-CN" dirty="0" smtClean="0">
+              <a:rPr lang="en-US" altLang="zh-CN" dirty="0">
                 <a:effectLst/>
               </a:rPr>
               <a:t>=1Gi</a:t>
@@ -1008,25 +1007,25 @@
           <a:lstStyle/>
           <a:p>
             <a:r>
-              <a:rPr lang="en-US" altLang="zh-CN" dirty="0" err="1" smtClean="0">
+              <a:rPr lang="en-US" altLang="zh-CN" dirty="0" err="1">
                 <a:effectLst/>
               </a:rPr>
               <a:t>docker</a:t>
             </a:r>
             <a:r>
-              <a:rPr lang="en-US" altLang="zh-CN" dirty="0" smtClean="0">
+              <a:rPr lang="en-US" altLang="zh-CN" dirty="0">
                 <a:effectLst/>
               </a:rPr>
               <a:t> pull </a:t>
             </a:r>
             <a:r>
-              <a:rPr lang="en-US" altLang="zh-CN" dirty="0" err="1" smtClean="0">
+              <a:rPr lang="en-US" altLang="zh-CN" dirty="0" err="1">
                 <a:effectLst/>
               </a:rPr>
               <a:t>heleicool</a:t>
             </a:r>
             <a:r>
-              <a:rPr lang="en-US" altLang="zh-CN" dirty="0" smtClean="0">
+              <a:rPr lang="en-US" altLang="zh-CN" dirty="0">
                 <a:effectLst/>
               </a:rPr>
               <a:t>/tiller:v2.14.1</a:t>
@@ -1034,52 +1033,134 @@
           </a:p>
           <a:p>
             <a:r>
-              <a:rPr lang="en-US" altLang="zh-CN" dirty="0" err="1" smtClean="0">
+              <a:rPr lang="en-US" altLang="zh-CN" dirty="0" err="1">
                 <a:effectLst/>
               </a:rPr>
               <a:t>docker</a:t>
             </a:r>
             <a:r>
-              <a:rPr lang="en-US" altLang="zh-CN" dirty="0" smtClean="0">
+              <a:rPr lang="en-US" altLang="zh-CN" dirty="0">
                 <a:effectLst/>
               </a:rPr>
               <a:t> tag </a:t>
             </a:r>
             <a:r>
-              <a:rPr lang="en-US" altLang="zh-CN" dirty="0" err="1" smtClean="0">
+              <a:rPr lang="en-US" altLang="zh-CN" dirty="0" err="1">
                 <a:effectLst/>
               </a:rPr>
               <a:t>heleicool</a:t>
             </a:r>
             <a:r>
-              <a:rPr lang="en-US" altLang="zh-CN" dirty="0" smtClean="0">
+              <a:rPr lang="en-US" altLang="zh-CN" dirty="0">
                 <a:effectLst/>
               </a:rPr>
               <a:t>/tiller:v2.14.1 </a:t>
             </a:r>
             <a:r>
-              <a:rPr lang="en-US" altLang="zh-CN" dirty="0" err="1" smtClean="0">
+              <a:rPr lang="en-US" altLang="zh-CN" dirty="0" err="1">
                 <a:effectLst/>
               </a:rPr>
               <a:t>gcr.io</a:t>
             </a:r>
             <a:r>
-              <a:rPr lang="en-US" altLang="zh-CN" dirty="0" smtClean="0">
+              <a:rPr lang="en-US" altLang="zh-CN" dirty="0">
                 <a:effectLst/>
               </a:rPr>
               <a:t>/</a:t>
             </a:r>
             <a:r>
-              <a:rPr lang="en-US" altLang="zh-CN" dirty="0" err="1" smtClean="0">
+              <a:rPr lang="en-US" altLang="zh-CN" dirty="0" err="1">
                 <a:effectLst/>
               </a:rPr>
               <a:t>kubernetes</a:t>
             </a:r>
             <a:r>
-              <a:rPr lang="en-US" altLang="zh-CN" dirty="0" smtClean="0">
+              <a:rPr lang="en-US" altLang="zh-CN" dirty="0">
                 <a:effectLst/>
               </a:rPr>
               <a:t>-helm/tiller:v2.14.1</a:t>
+            </a:r>
+          </a:p>
+          <a:p>
+            <a:endParaRPr kumimoji="1" lang="en-US" altLang="zh-CN" dirty="0"/>
+          </a:p>
+          <a:p>
+            <a:pPr marL="0" marR="0" lvl="0" indent="0" algn="l" defTabSz="914400" rtl="0" eaLnBrk="1" fontAlgn="auto" latinLnBrk="0" hangingPunct="1">
+              <a:lnSpc>
+                <a:spcPct val="100000"/>
+              </a:lnSpc>
+              <a:spcBef>
+                <a:spcPts val="0"/>
+              </a:spcBef>
+              <a:spcAft>
+                <a:spcPts val="0"/>
+              </a:spcAft>
+              <a:buClrTx/>
+              <a:buSzTx/>
+              <a:buFontTx/>
+              <a:buNone/>
+              <a:tabLst/>
+              <a:defRPr/>
+            </a:pPr>
+            <a:r>
+              <a:rPr lang="zh-CN" altLang="en-US" sz="1200" b="1" i="0" kern="1200" dirty="0">
+                <a:solidFill>
+                  <a:schemeClr val="tx1"/>
+                </a:solidFill>
+                <a:effectLst/>
+                <a:latin typeface="+mn-lt"/>
+                <a:ea typeface="+mn-ea"/>
+                <a:cs typeface="+mn-cs"/>
+              </a:rPr>
+              <a:t>使用</a:t>
+            </a:r>
+            <a:r>
+              <a:rPr lang="en" altLang="zh-CN" sz="1200" b="1" i="0" kern="1200" dirty="0">
+                <a:solidFill>
+                  <a:schemeClr val="tx1"/>
+                </a:solidFill>
+                <a:effectLst/>
+                <a:latin typeface="+mn-lt"/>
+                <a:ea typeface="+mn-ea"/>
+                <a:cs typeface="+mn-cs"/>
+              </a:rPr>
+              <a:t>Helm</a:t>
+            </a:r>
+            <a:r>
+              <a:rPr lang="zh-CN" altLang="en-US" sz="1200" b="1" i="0" kern="1200" dirty="0">
+                <a:solidFill>
+                  <a:schemeClr val="tx1"/>
+                </a:solidFill>
+                <a:effectLst/>
+                <a:latin typeface="+mn-lt"/>
+                <a:ea typeface="+mn-ea"/>
+                <a:cs typeface="+mn-cs"/>
+              </a:rPr>
+              <a:t>管理</a:t>
+            </a:r>
+            <a:r>
+              <a:rPr lang="en" altLang="zh-CN" sz="1200" b="1" i="0" kern="1200" dirty="0" err="1">
+                <a:solidFill>
+                  <a:schemeClr val="tx1"/>
+                </a:solidFill>
+                <a:effectLst/>
+                <a:latin typeface="+mn-lt"/>
+                <a:ea typeface="+mn-ea"/>
+                <a:cs typeface="+mn-cs"/>
+              </a:rPr>
+              <a:t>kubernetes</a:t>
+            </a:r>
+            <a:r>
+              <a:rPr lang="zh-CN" altLang="en-US" sz="1200" b="1" i="0" kern="1200" dirty="0">
+                <a:solidFill>
+                  <a:schemeClr val="tx1"/>
+                </a:solidFill>
+                <a:effectLst/>
+                <a:latin typeface="+mn-lt"/>
+                <a:ea typeface="+mn-ea"/>
+                <a:cs typeface="+mn-cs"/>
+              </a:rPr>
+              <a:t>应用</a:t>
             </a:r>
           </a:p>
           <a:p>
@@ -1302,7 +1383,7 @@
           <a:effectLst/>
           <a:extLst>
             <a:ext uri="{91240B29-F687-4f45-9708-019B960494DF}">
-              <a14:hiddenLine xmlns="" xmlns:a14="http://schemas.microsoft.com/office/drawing/2010/main" w="9525">
+              <a14:hiddenLine xmlns:a14="http://schemas.microsoft.com/office/drawing/2010/main" xmlns="" w="9525">
                 <a:solidFill>
                   <a:srgbClr val="000000"/>
                 </a:solidFill>
@@ -1353,7 +1434,7 @@
           </a:lstStyle>
           <a:p>
             <a:r>
-              <a:rPr lang="zh-CN" altLang="en-US" smtClean="0"/>
+              <a:rPr lang="zh-CN" altLang="en-US"/>
               <a:t>单击此处编辑母版标题样式</a:t>
             </a:r>
             <a:endParaRPr lang="en-US" dirty="0"/>
@@ -1470,7 +1551,7 @@
           </a:lstStyle>
           <a:p>
             <a:r>
-              <a:rPr lang="zh-CN" altLang="en-US" smtClean="0"/>
+              <a:rPr lang="zh-CN" altLang="en-US"/>
               <a:t>单击此处编辑母版副标题样式</a:t>
             </a:r>
             <a:endParaRPr lang="en-US" dirty="0"/>
@@ -1495,7 +1576,7 @@
             <a:fld id="{08B9EBBA-996F-894A-B54A-D6246ED52CEA}" type="datetimeFigureOut">
               <a:rPr lang="en-US" dirty="0"/>
               <a:pPr/>
-              <a:t>7/8/19</a:t>
+              <a:t>7/18/19</a:t>
             </a:fld>
             <a:endParaRPr lang="en-US" dirty="0"/>
           </a:p>
@@ -1596,7 +1677,7 @@
           </a:lstStyle>
           <a:p>
             <a:r>
-              <a:rPr lang="zh-CN" altLang="en-US" smtClean="0"/>
+              <a:rPr lang="zh-CN" altLang="en-US"/>
               <a:t>单击此处编辑母版标题样式</a:t>
             </a:r>
             <a:endParaRPr lang="en-US" dirty="0"/>
@@ -1718,7 +1799,7 @@
           </a:lstStyle>
           <a:p>
             <a:r>
-              <a:rPr lang="zh-CN" altLang="en-US" smtClean="0"/>
+              <a:rPr lang="zh-CN" altLang="en-US"/>
               <a:t>将图片拖动到占位符，或单击添加图标</a:t>
             </a:r>
             <a:endParaRPr lang="en-US" dirty="0"/>
@@ -1786,7 +1867,7 @@
           <a:p>
             <a:pPr lvl="0"/>
             <a:r>
-              <a:rPr lang="zh-CN" altLang="en-US" smtClean="0"/>
+              <a:rPr lang="zh-CN" altLang="en-US"/>
               <a:t>单击此处编辑母版文本样式</a:t>
             </a:r>
           </a:p>
@@ -1810,7 +1891,7 @@
             <a:fld id="{18C79C5D-2A6F-F04D-97DA-BEF2467B64E4}" type="datetimeFigureOut">
               <a:rPr lang="en-US" dirty="0"/>
               <a:pPr/>
-              <a:t>7/8/19</a:t>
+              <a:t>7/18/19</a:t>
             </a:fld>
             <a:endParaRPr lang="en-US" dirty="0"/>
           </a:p>
@@ -2117,7 +2198,7 @@
           </a:lstStyle>
           <a:p>
             <a:r>
-              <a:rPr lang="zh-CN" altLang="en-US" smtClean="0"/>
+              <a:rPr lang="zh-CN" altLang="en-US"/>
               <a:t>单击此处编辑母版标题样式</a:t>
             </a:r>
             <a:endParaRPr lang="en-US" dirty="0"/>
@@ -2237,7 +2318,7 @@
           <a:p>
             <a:pPr lvl="0"/>
             <a:r>
-              <a:rPr lang="zh-CN" altLang="en-US" smtClean="0"/>
+              <a:rPr lang="zh-CN" altLang="en-US"/>
               <a:t>单击此处编辑母版文本样式</a:t>
             </a:r>
           </a:p>
@@ -2271,7 +2352,7 @@
           <a:p>
             <a:pPr lvl="0"/>
             <a:r>
-              <a:rPr lang="zh-CN" altLang="en-US" smtClean="0"/>
+              <a:rPr lang="zh-CN" altLang="en-US"/>
               <a:t>单击此处编辑母版文本样式</a:t>
             </a:r>
           </a:p>
@@ -2295,7 +2376,7 @@
             <a:fld id="{8DFA1846-DA80-1C48-A609-854EA85C59AD}" type="datetimeFigureOut">
               <a:rPr lang="en-US" dirty="0"/>
               <a:pPr/>
-              <a:t>7/8/19</a:t>
+              <a:t>7/18/19</a:t>
             </a:fld>
             <a:endParaRPr lang="en-US" dirty="0"/>
           </a:p>
@@ -2602,7 +2683,7 @@
           </a:lstStyle>
           <a:p>
             <a:r>
-              <a:rPr lang="zh-CN" altLang="en-US" smtClean="0"/>
+              <a:rPr lang="zh-CN" altLang="en-US"/>
               <a:t>单击此处编辑母版标题样式</a:t>
             </a:r>
             <a:endParaRPr lang="en-US" dirty="0"/>
@@ -2637,7 +2718,7 @@
           <a:p>
             <a:pPr lvl="0"/>
             <a:r>
-              <a:rPr lang="zh-CN" altLang="en-US" smtClean="0"/>
+              <a:rPr lang="zh-CN" altLang="en-US"/>
               <a:t>单击此处编辑母版文本样式</a:t>
             </a:r>
           </a:p>
@@ -2661,7 +2742,7 @@
             <a:fld id="{FBF54567-0DE4-3F47-BF90-CB84690072F9}" type="datetimeFigureOut">
               <a:rPr lang="en-US" dirty="0"/>
               <a:pPr/>
-              <a:t>7/8/19</a:t>
+              <a:t>7/18/19</a:t>
             </a:fld>
             <a:endParaRPr lang="en-US" dirty="0"/>
           </a:p>
@@ -2812,7 +2893,7 @@
           <a:ln/>
           <a:extLst>
             <a:ext uri="{91240B29-F687-4f45-9708-019B960494DF}">
-              <a14:hiddenLine xmlns="" xmlns:a14="http://schemas.microsoft.com/office/drawing/2010/main" w="9525">
+              <a14:hiddenLine xmlns:a14="http://schemas.microsoft.com/office/drawing/2010/main" xmlns="" w="9525">
                 <a:solidFill>
                   <a:srgbClr val="000000"/>
                 </a:solidFill>
@@ -2854,7 +2935,7 @@
           <a:lstStyle/>
           <a:p>
             <a:r>
-              <a:rPr lang="zh-CN" altLang="en-US" smtClean="0"/>
+              <a:rPr lang="zh-CN" altLang="en-US"/>
               <a:t>单击此处编辑母版标题样式</a:t>
             </a:r>
             <a:endParaRPr lang="en-US" dirty="0"/>
@@ -2878,35 +2959,35 @@
           <a:p>
             <a:pPr lvl="0"/>
             <a:r>
-              <a:rPr lang="zh-CN" altLang="en-US" smtClean="0"/>
+              <a:rPr lang="zh-CN" altLang="en-US"/>
               <a:t>单击此处编辑母版文本样式</a:t>
             </a:r>
           </a:p>
           <a:p>
             <a:pPr lvl="1"/>
             <a:r>
-              <a:rPr lang="zh-CN" altLang="en-US" smtClean="0"/>
+              <a:rPr lang="zh-CN" altLang="en-US"/>
               <a:t>二级</a:t>
             </a:r>
           </a:p>
           <a:p>
             <a:pPr lvl="2"/>
             <a:r>
-              <a:rPr lang="zh-CN" altLang="en-US" smtClean="0"/>
+              <a:rPr lang="zh-CN" altLang="en-US"/>
               <a:t>三级</a:t>
             </a:r>
           </a:p>
           <a:p>
             <a:pPr lvl="3"/>
             <a:r>
-              <a:rPr lang="zh-CN" altLang="en-US" smtClean="0"/>
+              <a:rPr lang="zh-CN" altLang="en-US"/>
               <a:t>四级</a:t>
             </a:r>
           </a:p>
           <a:p>
             <a:pPr lvl="4"/>
             <a:r>
-              <a:rPr lang="zh-CN" altLang="en-US" smtClean="0"/>
+              <a:rPr lang="zh-CN" altLang="en-US"/>
               <a:t>五级</a:t>
             </a:r>
             <a:endParaRPr lang="en-US" dirty="0"/>
@@ -2931,7 +3012,7 @@
             <a:fld id="{C6C52C72-DE31-F449-A4ED-4C594FD91407}" type="datetimeFigureOut">
               <a:rPr lang="en-US" dirty="0"/>
               <a:pPr/>
-              <a:t>7/8/19</a:t>
+              <a:t>7/18/19</a:t>
             </a:fld>
             <a:endParaRPr lang="en-US" dirty="0"/>
           </a:p>
@@ -3084,7 +3165,7 @@
           <a:ln/>
           <a:extLst>
             <a:ext uri="{91240B29-F687-4f45-9708-019B960494DF}">
-              <a14:hiddenLine xmlns="" xmlns:a14="http://schemas.microsoft.com/office/drawing/2010/main" w="9525">
+              <a14:hiddenLine xmlns:a14="http://schemas.microsoft.com/office/drawing/2010/main" xmlns="" w="9525">
                 <a:solidFill>
                   <a:srgbClr val="000000"/>
                 </a:solidFill>
@@ -3131,7 +3212,7 @@
           <a:lstStyle/>
           <a:p>
             <a:r>
-              <a:rPr lang="zh-CN" altLang="en-US" smtClean="0"/>
+              <a:rPr lang="zh-CN" altLang="en-US"/>
               <a:t>单击此处编辑母版标题样式</a:t>
             </a:r>
             <a:endParaRPr lang="en-US" dirty="0"/>
@@ -3160,35 +3241,35 @@
           <a:p>
             <a:pPr lvl="0"/>
             <a:r>
-              <a:rPr lang="zh-CN" altLang="en-US" smtClean="0"/>
+              <a:rPr lang="zh-CN" altLang="en-US"/>
               <a:t>单击此处编辑母版文本样式</a:t>
             </a:r>
           </a:p>
           <a:p>
             <a:pPr lvl="1"/>
             <a:r>
-              <a:rPr lang="zh-CN" altLang="en-US" smtClean="0"/>
+              <a:rPr lang="zh-CN" altLang="en-US"/>
               <a:t>二级</a:t>
             </a:r>
           </a:p>
           <a:p>
             <a:pPr lvl="2"/>
             <a:r>
-              <a:rPr lang="zh-CN" altLang="en-US" smtClean="0"/>
+              <a:rPr lang="zh-CN" altLang="en-US"/>
               <a:t>三级</a:t>
             </a:r>
           </a:p>
           <a:p>
             <a:pPr lvl="3"/>
             <a:r>
-              <a:rPr lang="zh-CN" altLang="en-US" smtClean="0"/>
+              <a:rPr lang="zh-CN" altLang="en-US"/>
               <a:t>四级</a:t>
             </a:r>
           </a:p>
           <a:p>
             <a:pPr lvl="4"/>
             <a:r>
-              <a:rPr lang="zh-CN" altLang="en-US" smtClean="0"/>
+              <a:rPr lang="zh-CN" altLang="en-US"/>
               <a:t>五级</a:t>
             </a:r>
             <a:endParaRPr lang="en-US" dirty="0"/>
@@ -3213,7 +3294,7 @@
             <a:fld id="{ED62726E-379B-B349-9EED-81ED093FA806}" type="datetimeFigureOut">
               <a:rPr lang="en-US" dirty="0"/>
               <a:pPr/>
-              <a:t>7/8/19</a:t>
+              <a:t>7/18/19</a:t>
             </a:fld>
             <a:endParaRPr lang="en-US" dirty="0"/>
           </a:p>
@@ -3364,7 +3445,7 @@
           <a:ln/>
           <a:extLst>
             <a:ext uri="{91240B29-F687-4f45-9708-019B960494DF}">
-              <a14:hiddenLine xmlns="" xmlns:a14="http://schemas.microsoft.com/office/drawing/2010/main" w="9525">
+              <a14:hiddenLine xmlns:a14="http://schemas.microsoft.com/office/drawing/2010/main" xmlns="" w="9525">
                 <a:solidFill>
                   <a:srgbClr val="000000"/>
                 </a:solidFill>
@@ -3411,7 +3492,7 @@
           <a:lstStyle/>
           <a:p>
             <a:r>
-              <a:rPr lang="zh-CN" altLang="en-US" smtClean="0"/>
+              <a:rPr lang="zh-CN" altLang="en-US"/>
               <a:t>单击此处编辑母版标题样式</a:t>
             </a:r>
             <a:endParaRPr lang="en-US" dirty="0"/>
@@ -3440,35 +3521,35 @@
           <a:p>
             <a:pPr lvl="0"/>
             <a:r>
-              <a:rPr lang="zh-CN" altLang="en-US" smtClean="0"/>
+              <a:rPr lang="zh-CN" altLang="en-US"/>
               <a:t>单击此处编辑母版文本样式</a:t>
             </a:r>
           </a:p>
           <a:p>
             <a:pPr lvl="1"/>
             <a:r>
-              <a:rPr lang="zh-CN" altLang="en-US" smtClean="0"/>
+              <a:rPr lang="zh-CN" altLang="en-US"/>
               <a:t>二级</a:t>
             </a:r>
           </a:p>
           <a:p>
             <a:pPr lvl="2"/>
             <a:r>
-              <a:rPr lang="zh-CN" altLang="en-US" smtClean="0"/>
+              <a:rPr lang="zh-CN" altLang="en-US"/>
               <a:t>三级</a:t>
             </a:r>
           </a:p>
           <a:p>
             <a:pPr lvl="3"/>
             <a:r>
-              <a:rPr lang="zh-CN" altLang="en-US" smtClean="0"/>
+              <a:rPr lang="zh-CN" altLang="en-US"/>
               <a:t>四级</a:t>
             </a:r>
           </a:p>
           <a:p>
             <a:pPr lvl="4"/>
             <a:r>
-              <a:rPr lang="zh-CN" altLang="en-US" smtClean="0"/>
+              <a:rPr lang="zh-CN" altLang="en-US"/>
               <a:t>五级</a:t>
             </a:r>
             <a:endParaRPr lang="en-US" dirty="0"/>
@@ -3493,7 +3574,7 @@
             <a:fld id="{9B3A1323-8D79-1946-B0D7-40001CF92E9D}" type="datetimeFigureOut">
               <a:rPr lang="en-US" dirty="0"/>
               <a:pPr/>
-              <a:t>7/8/19</a:t>
+              <a:t>7/18/19</a:t>
             </a:fld>
             <a:endParaRPr lang="en-US" dirty="0"/>
           </a:p>
@@ -3689,7 +3770,7 @@
           </a:lstStyle>
           <a:p>
             <a:r>
-              <a:rPr lang="zh-CN" altLang="en-US" smtClean="0"/>
+              <a:rPr lang="zh-CN" altLang="en-US"/>
               <a:t>单击此处编辑母版标题样式</a:t>
             </a:r>
             <a:endParaRPr lang="en-US" dirty="0"/>
@@ -3809,7 +3890,7 @@
           <a:p>
             <a:pPr lvl="0"/>
             <a:r>
-              <a:rPr lang="zh-CN" altLang="en-US" smtClean="0"/>
+              <a:rPr lang="zh-CN" altLang="en-US"/>
               <a:t>单击此处编辑母版文本样式</a:t>
             </a:r>
           </a:p>
@@ -3833,7 +3914,7 @@
             <a:fld id="{8DFA1846-DA80-1C48-A609-854EA85C59AD}" type="datetimeFigureOut">
               <a:rPr lang="en-US" dirty="0"/>
               <a:pPr/>
-              <a:t>7/8/19</a:t>
+              <a:t>7/18/19</a:t>
             </a:fld>
             <a:endParaRPr lang="en-US" dirty="0"/>
           </a:p>
@@ -3984,7 +4065,7 @@
           <a:ln/>
           <a:extLst>
             <a:ext uri="{91240B29-F687-4f45-9708-019B960494DF}">
-              <a14:hiddenLine xmlns="" xmlns:a14="http://schemas.microsoft.com/office/drawing/2010/main" w="9525">
+              <a14:hiddenLine xmlns:a14="http://schemas.microsoft.com/office/drawing/2010/main" xmlns="" w="9525">
                 <a:solidFill>
                   <a:srgbClr val="000000"/>
                 </a:solidFill>
@@ -4026,7 +4107,7 @@
           <a:lstStyle/>
           <a:p>
             <a:r>
-              <a:rPr lang="zh-CN" altLang="en-US" smtClean="0"/>
+              <a:rPr lang="zh-CN" altLang="en-US"/>
               <a:t>单击此处编辑母版标题样式</a:t>
             </a:r>
             <a:endParaRPr lang="en-US" dirty="0"/>
@@ -4057,35 +4138,35 @@
           <a:p>
             <a:pPr lvl="0"/>
             <a:r>
-              <a:rPr lang="zh-CN" altLang="en-US" smtClean="0"/>
+              <a:rPr lang="zh-CN" altLang="en-US"/>
               <a:t>单击此处编辑母版文本样式</a:t>
             </a:r>
           </a:p>
           <a:p>
             <a:pPr lvl="1"/>
             <a:r>
-              <a:rPr lang="zh-CN" altLang="en-US" smtClean="0"/>
+              <a:rPr lang="zh-CN" altLang="en-US"/>
               <a:t>二级</a:t>
             </a:r>
           </a:p>
           <a:p>
             <a:pPr lvl="2"/>
             <a:r>
-              <a:rPr lang="zh-CN" altLang="en-US" smtClean="0"/>
+              <a:rPr lang="zh-CN" altLang="en-US"/>
               <a:t>三级</a:t>
             </a:r>
           </a:p>
           <a:p>
             <a:pPr lvl="3"/>
             <a:r>
-              <a:rPr lang="zh-CN" altLang="en-US" smtClean="0"/>
+              <a:rPr lang="zh-CN" altLang="en-US"/>
               <a:t>四级</a:t>
             </a:r>
           </a:p>
           <a:p>
             <a:pPr lvl="4"/>
             <a:r>
-              <a:rPr lang="zh-CN" altLang="en-US" smtClean="0"/>
+              <a:rPr lang="zh-CN" altLang="en-US"/>
               <a:t>五级</a:t>
             </a:r>
             <a:endParaRPr lang="en-US" dirty="0"/>
@@ -4116,35 +4197,35 @@
           <a:p>
             <a:pPr lvl="0"/>
             <a:r>
-              <a:rPr lang="zh-CN" altLang="en-US" smtClean="0"/>
+              <a:rPr lang="zh-CN" altLang="en-US"/>
               <a:t>单击此处编辑母版文本样式</a:t>
             </a:r>
           </a:p>
           <a:p>
             <a:pPr lvl="1"/>
             <a:r>
-              <a:rPr lang="zh-CN" altLang="en-US" smtClean="0"/>
+              <a:rPr lang="zh-CN" altLang="en-US"/>
               <a:t>二级</a:t>
             </a:r>
           </a:p>
           <a:p>
             <a:pPr lvl="2"/>
             <a:r>
-              <a:rPr lang="zh-CN" altLang="en-US" smtClean="0"/>
+              <a:rPr lang="zh-CN" altLang="en-US"/>
               <a:t>三级</a:t>
             </a:r>
           </a:p>
           <a:p>
             <a:pPr lvl="3"/>
             <a:r>
-              <a:rPr lang="zh-CN" altLang="en-US" smtClean="0"/>
+              <a:rPr lang="zh-CN" altLang="en-US"/>
               <a:t>四级</a:t>
             </a:r>
           </a:p>
           <a:p>
             <a:pPr lvl="4"/>
             <a:r>
-              <a:rPr lang="zh-CN" altLang="en-US" smtClean="0"/>
+              <a:rPr lang="zh-CN" altLang="en-US"/>
               <a:t>五级</a:t>
             </a:r>
             <a:endParaRPr lang="en-US" dirty="0"/>
@@ -4169,7 +4250,7 @@
             <a:fld id="{57302355-E14B-8545-A8F8-0FE83CC9D524}" type="datetimeFigureOut">
               <a:rPr lang="en-US" dirty="0"/>
               <a:pPr/>
-              <a:t>7/8/19</a:t>
+              <a:t>7/18/19</a:t>
             </a:fld>
             <a:endParaRPr lang="en-US" dirty="0"/>
           </a:p>
@@ -4320,7 +4401,7 @@
           <a:ln/>
           <a:extLst>
             <a:ext uri="{91240B29-F687-4f45-9708-019B960494DF}">
-              <a14:hiddenLine xmlns="" xmlns:a14="http://schemas.microsoft.com/office/drawing/2010/main" w="9525">
+              <a14:hiddenLine xmlns:a14="http://schemas.microsoft.com/office/drawing/2010/main" xmlns="" w="9525">
                 <a:solidFill>
                   <a:srgbClr val="000000"/>
                 </a:solidFill>
@@ -4366,7 +4447,7 @@
           </a:lstStyle>
           <a:p>
             <a:r>
-              <a:rPr lang="zh-CN" altLang="en-US" smtClean="0"/>
+              <a:rPr lang="zh-CN" altLang="en-US"/>
               <a:t>单击此处编辑母版标题样式</a:t>
             </a:r>
             <a:endParaRPr lang="en-US" dirty="0"/>
@@ -4434,7 +4515,7 @@
           <a:p>
             <a:pPr lvl="0"/>
             <a:r>
-              <a:rPr lang="zh-CN" altLang="en-US" smtClean="0"/>
+              <a:rPr lang="zh-CN" altLang="en-US"/>
               <a:t>单击此处编辑母版文本样式</a:t>
             </a:r>
           </a:p>
@@ -4464,35 +4545,35 @@
           <a:p>
             <a:pPr lvl="0"/>
             <a:r>
-              <a:rPr lang="zh-CN" altLang="en-US" smtClean="0"/>
+              <a:rPr lang="zh-CN" altLang="en-US"/>
               <a:t>单击此处编辑母版文本样式</a:t>
             </a:r>
           </a:p>
           <a:p>
             <a:pPr lvl="1"/>
             <a:r>
-              <a:rPr lang="zh-CN" altLang="en-US" smtClean="0"/>
+              <a:rPr lang="zh-CN" altLang="en-US"/>
               <a:t>二级</a:t>
             </a:r>
           </a:p>
           <a:p>
             <a:pPr lvl="2"/>
             <a:r>
-              <a:rPr lang="zh-CN" altLang="en-US" smtClean="0"/>
+              <a:rPr lang="zh-CN" altLang="en-US"/>
               <a:t>三级</a:t>
             </a:r>
           </a:p>
           <a:p>
             <a:pPr lvl="3"/>
             <a:r>
-              <a:rPr lang="zh-CN" altLang="en-US" smtClean="0"/>
+              <a:rPr lang="zh-CN" altLang="en-US"/>
               <a:t>四级</a:t>
             </a:r>
           </a:p>
           <a:p>
             <a:pPr lvl="4"/>
             <a:r>
-              <a:rPr lang="zh-CN" altLang="en-US" smtClean="0"/>
+              <a:rPr lang="zh-CN" altLang="en-US"/>
               <a:t>五级</a:t>
             </a:r>
             <a:endParaRPr lang="en-US" dirty="0"/>
@@ -4560,7 +4641,7 @@
           <a:p>
             <a:pPr lvl="0"/>
             <a:r>
-              <a:rPr lang="zh-CN" altLang="en-US" smtClean="0"/>
+              <a:rPr lang="zh-CN" altLang="en-US"/>
               <a:t>单击此处编辑母版文本样式</a:t>
             </a:r>
           </a:p>
@@ -4590,35 +4671,35 @@
           <a:p>
             <a:pPr lvl="0"/>
             <a:r>
-              <a:rPr lang="zh-CN" altLang="en-US" smtClean="0"/>
+              <a:rPr lang="zh-CN" altLang="en-US"/>
               <a:t>单击此处编辑母版文本样式</a:t>
             </a:r>
           </a:p>
           <a:p>
             <a:pPr lvl="1"/>
             <a:r>
-              <a:rPr lang="zh-CN" altLang="en-US" smtClean="0"/>
+              <a:rPr lang="zh-CN" altLang="en-US"/>
               <a:t>二级</a:t>
             </a:r>
           </a:p>
           <a:p>
             <a:pPr lvl="2"/>
             <a:r>
-              <a:rPr lang="zh-CN" altLang="en-US" smtClean="0"/>
+              <a:rPr lang="zh-CN" altLang="en-US"/>
               <a:t>三级</a:t>
             </a:r>
           </a:p>
           <a:p>
             <a:pPr lvl="3"/>
             <a:r>
-              <a:rPr lang="zh-CN" altLang="en-US" smtClean="0"/>
+              <a:rPr lang="zh-CN" altLang="en-US"/>
               <a:t>四级</a:t>
             </a:r>
           </a:p>
           <a:p>
             <a:pPr lvl="4"/>
             <a:r>
-              <a:rPr lang="zh-CN" altLang="en-US" smtClean="0"/>
+              <a:rPr lang="zh-CN" altLang="en-US"/>
               <a:t>五级</a:t>
             </a:r>
             <a:endParaRPr lang="en-US" dirty="0"/>
@@ -4643,7 +4724,7 @@
             <a:fld id="{02640F58-564D-2B4F-AE67-E407BA4FCF45}" type="datetimeFigureOut">
               <a:rPr lang="en-US" dirty="0"/>
               <a:pPr/>
-              <a:t>7/8/19</a:t>
+              <a:t>7/18/19</a:t>
             </a:fld>
             <a:endParaRPr lang="en-US" dirty="0"/>
           </a:p>
@@ -4794,7 +4875,7 @@
           <a:ln/>
           <a:extLst>
             <a:ext uri="{91240B29-F687-4f45-9708-019B960494DF}">
-              <a14:hiddenLine xmlns="" xmlns:a14="http://schemas.microsoft.com/office/drawing/2010/main" w="9525">
+              <a14:hiddenLine xmlns:a14="http://schemas.microsoft.com/office/drawing/2010/main" xmlns="" w="9525">
                 <a:solidFill>
                   <a:srgbClr val="000000"/>
                 </a:solidFill>
@@ -4836,7 +4917,7 @@
           <a:lstStyle/>
           <a:p>
             <a:r>
-              <a:rPr lang="zh-CN" altLang="en-US" smtClean="0"/>
+              <a:rPr lang="zh-CN" altLang="en-US"/>
               <a:t>单击此处编辑母版标题样式</a:t>
             </a:r>
             <a:endParaRPr lang="en-US" dirty="0"/>
@@ -4861,7 +4942,7 @@
             <a:fld id="{F13A34C8-038E-2045-AF43-DF7DBB8E0E9E}" type="datetimeFigureOut">
               <a:rPr lang="en-US" dirty="0"/>
               <a:pPr/>
-              <a:t>7/8/19</a:t>
+              <a:t>7/18/19</a:t>
             </a:fld>
             <a:endParaRPr lang="en-US" dirty="0"/>
           </a:p>
@@ -4953,7 +5034,7 @@
             <a:fld id="{8818C68F-D26B-8F47-958C-23B49CF8A634}" type="datetimeFigureOut">
               <a:rPr lang="en-US" dirty="0"/>
               <a:pPr/>
-              <a:t>7/8/19</a:t>
+              <a:t>7/18/19</a:t>
             </a:fld>
             <a:endParaRPr lang="en-US" dirty="0"/>
           </a:p>
@@ -5217,7 +5298,7 @@
           <a:ln/>
           <a:extLst>
             <a:ext uri="{91240B29-F687-4f45-9708-019B960494DF}">
-              <a14:hiddenLine xmlns="" xmlns:a14="http://schemas.microsoft.com/office/drawing/2010/main" w="9525">
+              <a14:hiddenLine xmlns:a14="http://schemas.microsoft.com/office/drawing/2010/main" xmlns="" w="9525">
                 <a:solidFill>
                   <a:srgbClr val="000000"/>
                 </a:solidFill>
@@ -5268,7 +5349,7 @@
           </a:lstStyle>
           <a:p>
             <a:r>
-              <a:rPr lang="zh-CN" altLang="en-US" smtClean="0"/>
+              <a:rPr lang="zh-CN" altLang="en-US"/>
               <a:t>单击此处编辑母版标题样式</a:t>
             </a:r>
             <a:endParaRPr lang="en-US" dirty="0"/>
@@ -5299,35 +5380,35 @@
           <a:p>
             <a:pPr lvl="0"/>
             <a:r>
-              <a:rPr lang="zh-CN" altLang="en-US" smtClean="0"/>
+              <a:rPr lang="zh-CN" altLang="en-US"/>
               <a:t>单击此处编辑母版文本样式</a:t>
             </a:r>
           </a:p>
           <a:p>
             <a:pPr lvl="1"/>
             <a:r>
-              <a:rPr lang="zh-CN" altLang="en-US" smtClean="0"/>
+              <a:rPr lang="zh-CN" altLang="en-US"/>
               <a:t>二级</a:t>
             </a:r>
           </a:p>
           <a:p>
             <a:pPr lvl="2"/>
             <a:r>
-              <a:rPr lang="zh-CN" altLang="en-US" smtClean="0"/>
+              <a:rPr lang="zh-CN" altLang="en-US"/>
               <a:t>三级</a:t>
             </a:r>
           </a:p>
           <a:p>
             <a:pPr lvl="3"/>
             <a:r>
-              <a:rPr lang="zh-CN" altLang="en-US" smtClean="0"/>
+              <a:rPr lang="zh-CN" altLang="en-US"/>
               <a:t>四级</a:t>
             </a:r>
           </a:p>
           <a:p>
             <a:pPr lvl="4"/>
             <a:r>
-              <a:rPr lang="zh-CN" altLang="en-US" smtClean="0"/>
+              <a:rPr lang="zh-CN" altLang="en-US"/>
               <a:t>五级</a:t>
             </a:r>
             <a:endParaRPr lang="en-US" dirty="0"/>
@@ -5393,7 +5474,7 @@
           <a:p>
             <a:pPr lvl="0"/>
             <a:r>
-              <a:rPr lang="zh-CN" altLang="en-US" smtClean="0"/>
+              <a:rPr lang="zh-CN" altLang="en-US"/>
               <a:t>单击此处编辑母版文本样式</a:t>
             </a:r>
           </a:p>
@@ -5417,7 +5498,7 @@
             <a:fld id="{D0DF5E60-9974-AC48-9591-99C2BB44B7CF}" type="datetimeFigureOut">
               <a:rPr lang="en-US" dirty="0"/>
               <a:pPr/>
-              <a:t>7/8/19</a:t>
+              <a:t>7/18/19</a:t>
             </a:fld>
             <a:endParaRPr lang="en-US" dirty="0"/>
           </a:p>
@@ -5518,7 +5599,7 @@
           </a:lstStyle>
           <a:p>
             <a:r>
-              <a:rPr lang="zh-CN" altLang="en-US" smtClean="0"/>
+              <a:rPr lang="zh-CN" altLang="en-US"/>
               <a:t>单击此处编辑母版标题样式</a:t>
             </a:r>
             <a:endParaRPr lang="en-US" dirty="0"/>
@@ -5630,7 +5711,7 @@
           </a:lstStyle>
           <a:p>
             <a:r>
-              <a:rPr lang="zh-CN" altLang="en-US" smtClean="0"/>
+              <a:rPr lang="zh-CN" altLang="en-US"/>
               <a:t>将图片拖动到占位符，或单击添加图标</a:t>
             </a:r>
             <a:endParaRPr lang="en-US" dirty="0"/>
@@ -5698,7 +5779,7 @@
           <a:p>
             <a:pPr lvl="0"/>
             <a:r>
-              <a:rPr lang="zh-CN" altLang="en-US" smtClean="0"/>
+              <a:rPr lang="zh-CN" altLang="en-US"/>
               <a:t>单击此处编辑母版文本样式</a:t>
             </a:r>
           </a:p>
@@ -5727,7 +5808,7 @@
             <a:fld id="{18C79C5D-2A6F-F04D-97DA-BEF2467B64E4}" type="datetimeFigureOut">
               <a:rPr lang="en-US" dirty="0"/>
               <a:pPr/>
-              <a:t>7/8/19</a:t>
+              <a:t>7/18/19</a:t>
             </a:fld>
             <a:endParaRPr lang="en-US" dirty="0"/>
           </a:p>
@@ -5849,7 +5930,7 @@
           <a:lstStyle/>
           <a:p>
             <a:r>
-              <a:rPr lang="zh-CN" altLang="en-US" smtClean="0"/>
+              <a:rPr lang="zh-CN" altLang="en-US"/>
               <a:t>单击此处编辑母版标题样式</a:t>
             </a:r>
             <a:endParaRPr lang="en-US" dirty="0"/>
@@ -5890,35 +5971,35 @@
           <a:p>
             <a:pPr lvl="0"/>
             <a:r>
-              <a:rPr lang="zh-CN" altLang="en-US" smtClean="0"/>
+              <a:rPr lang="zh-CN" altLang="en-US"/>
               <a:t>单击此处编辑母版文本样式</a:t>
             </a:r>
           </a:p>
           <a:p>
             <a:pPr lvl="1"/>
             <a:r>
-              <a:rPr lang="zh-CN" altLang="en-US" smtClean="0"/>
+              <a:rPr lang="zh-CN" altLang="en-US"/>
               <a:t>二级</a:t>
             </a:r>
           </a:p>
           <a:p>
             <a:pPr lvl="2"/>
             <a:r>
-              <a:rPr lang="zh-CN" altLang="en-US" smtClean="0"/>
+              <a:rPr lang="zh-CN" altLang="en-US"/>
               <a:t>三级</a:t>
             </a:r>
           </a:p>
           <a:p>
             <a:pPr lvl="3"/>
             <a:r>
-              <a:rPr lang="zh-CN" altLang="en-US" smtClean="0"/>
+              <a:rPr lang="zh-CN" altLang="en-US"/>
               <a:t>四级</a:t>
             </a:r>
           </a:p>
           <a:p>
             <a:pPr lvl="4"/>
             <a:r>
-              <a:rPr lang="zh-CN" altLang="en-US" smtClean="0"/>
+              <a:rPr lang="zh-CN" altLang="en-US"/>
               <a:t>五级</a:t>
             </a:r>
             <a:endParaRPr lang="en-US" dirty="0"/>
@@ -5994,7 +6075,7 @@
             <a:fld id="{09B482E8-6E0E-1B4F-B1FD-C69DB9E858D9}" type="datetimeFigureOut">
               <a:rPr lang="en-US" dirty="0"/>
               <a:pPr/>
-              <a:t>7/8/19</a:t>
+              <a:t>7/18/19</a:t>
             </a:fld>
             <a:endParaRPr lang="en-US" dirty="0"/>
           </a:p>
@@ -6476,10 +6557,9 @@
           <a:p>
             <a:pPr algn="ctr"/>
             <a:r>
-              <a:rPr kumimoji="1" lang="zh-CN" altLang="en-US" dirty="0" smtClean="0"/>
+              <a:rPr kumimoji="1" lang="zh-CN" altLang="en-US" dirty="0"/>
               <a:t>其它</a:t>
             </a:r>
-            <a:endParaRPr kumimoji="1" lang="zh-CN" altLang="en-US" dirty="0"/>
           </a:p>
         </p:txBody>
       </p:sp>
@@ -6517,13 +6597,6 @@
   <p:clrMapOvr>
     <a:masterClrMapping/>
   </p:clrMapOvr>
-  <p:timing>
-    <p:tnLst>
-      <p:par>
-        <p:cTn id="1" dur="indefinite" restart="never" nodeType="tmRoot"/>
-      </p:par>
-    </p:tnLst>
-  </p:timing>
 </p:sld>
 </file>
 
@@ -6560,7 +6633,7 @@
           <a:lstStyle/>
           <a:p>
             <a:r>
-              <a:rPr kumimoji="1" lang="en-US" altLang="zh-CN" dirty="0" smtClean="0"/>
+              <a:rPr kumimoji="1" lang="en-US" altLang="zh-CN" dirty="0"/>
               <a:t>helm</a:t>
             </a:r>
             <a:endParaRPr kumimoji="1" lang="zh-CN" altLang="en-US" dirty="0"/>
@@ -6588,7 +6661,7 @@
             </a:r>
           </a:p>
           <a:p>
-            <a:endParaRPr kumimoji="1" lang="en-US" altLang="zh-CN" dirty="0" smtClean="0"/>
+            <a:endParaRPr kumimoji="1" lang="en-US" altLang="zh-CN" dirty="0"/>
           </a:p>
           <a:p>
             <a:r>
@@ -6634,7 +6707,7 @@
               <a:t>helm search </a:t>
             </a:r>
             <a:r>
-              <a:rPr lang="en-US" altLang="zh-CN" dirty="0" err="1" smtClean="0"/>
+              <a:rPr lang="en-US" altLang="zh-CN" dirty="0" err="1"/>
               <a:t>jupyterhub</a:t>
             </a:r>
             <a:endParaRPr lang="en-US" altLang="zh-CN" dirty="0"/>
@@ -6687,7 +6760,7 @@
           <a:lstStyle/>
           <a:p>
             <a:r>
-              <a:rPr kumimoji="1" lang="en-US" altLang="zh-CN" dirty="0" smtClean="0"/>
+              <a:rPr kumimoji="1" lang="en-US" altLang="zh-CN" dirty="0"/>
               <a:t>Agenda</a:t>
             </a:r>
             <a:endParaRPr kumimoji="1" lang="zh-CN" altLang="en-US" dirty="0"/>
@@ -6710,38 +6783,37 @@
           <a:lstStyle/>
           <a:p>
             <a:r>
-              <a:rPr kumimoji="1" lang="en-US" altLang="zh-CN" dirty="0" smtClean="0"/>
+              <a:rPr kumimoji="1" lang="en-US" altLang="zh-CN" dirty="0"/>
               <a:t>Namespace</a:t>
             </a:r>
           </a:p>
           <a:p>
             <a:pPr lvl="1"/>
             <a:r>
-              <a:rPr kumimoji="1" lang="en-US" altLang="zh-CN" dirty="0" smtClean="0"/>
+              <a:rPr kumimoji="1" lang="en-US" altLang="zh-CN" dirty="0"/>
               <a:t>Quota</a:t>
             </a:r>
           </a:p>
           <a:p>
             <a:pPr lvl="1"/>
             <a:r>
-              <a:rPr kumimoji="1" lang="en-US" altLang="zh-CN" dirty="0" err="1" smtClean="0"/>
+              <a:rPr kumimoji="1" lang="en-US" altLang="zh-CN" dirty="0" err="1"/>
               <a:t>limitRange</a:t>
             </a:r>
-            <a:endParaRPr kumimoji="1" lang="en-US" altLang="zh-CN" dirty="0" smtClean="0"/>
-          </a:p>
-          <a:p>
-            <a:r>
-              <a:rPr lang="en-US" altLang="zh-CN" dirty="0" err="1" smtClean="0"/>
+            <a:endParaRPr kumimoji="1" lang="en-US" altLang="zh-CN" dirty="0"/>
+          </a:p>
+          <a:p>
+            <a:r>
+              <a:rPr lang="en-US" altLang="zh-CN" dirty="0" err="1"/>
               <a:t>Autoscaler</a:t>
             </a:r>
-            <a:endParaRPr lang="en-US" altLang="zh-CN" dirty="0" smtClean="0"/>
-          </a:p>
-          <a:p>
-            <a:r>
-              <a:rPr lang="en-US" altLang="zh-CN" dirty="0" smtClean="0"/>
+            <a:endParaRPr lang="en-US" altLang="zh-CN" dirty="0"/>
+          </a:p>
+          <a:p>
+            <a:r>
+              <a:rPr lang="en-US" altLang="zh-CN" dirty="0"/>
               <a:t>Helm</a:t>
             </a:r>
-            <a:endParaRPr lang="en-US" altLang="zh-CN" dirty="0"/>
           </a:p>
           <a:p>
             <a:endParaRPr kumimoji="1" lang="zh-CN" altLang="en-US" dirty="0"/>
@@ -6794,7 +6866,7 @@
           <a:lstStyle/>
           <a:p>
             <a:r>
-              <a:rPr kumimoji="1" lang="en-US" altLang="zh-CN" dirty="0" smtClean="0"/>
+              <a:rPr kumimoji="1" lang="en-US" altLang="zh-CN" dirty="0"/>
               <a:t>Namespace</a:t>
             </a:r>
             <a:endParaRPr kumimoji="1" lang="zh-CN" altLang="en-US" dirty="0"/>
@@ -6822,11 +6894,7 @@
             </a:r>
             <a:r>
               <a:rPr lang="en-US" altLang="zh-CN" dirty="0"/>
-              <a:t> create namespace </a:t>
-            </a:r>
-            <a:r>
-              <a:rPr lang="en-US" altLang="zh-CN" dirty="0" smtClean="0"/>
-              <a:t>quota-object-example</a:t>
+              <a:t> create namespace quota-object-example</a:t>
             </a:r>
           </a:p>
           <a:p>
@@ -6834,16 +6902,12 @@
           </a:p>
           <a:p>
             <a:r>
-              <a:rPr lang="en-US" altLang="zh-CN" dirty="0" err="1" smtClean="0"/>
+              <a:rPr lang="en-US" altLang="zh-CN" dirty="0" err="1"/>
               <a:t>kubectl</a:t>
             </a:r>
             <a:r>
-              <a:rPr lang="en-US" altLang="zh-CN" dirty="0" smtClean="0"/>
-              <a:t> </a:t>
-            </a:r>
-            <a:r>
-              <a:rPr lang="en-US" altLang="zh-CN" dirty="0"/>
-              <a:t>delete namespace quota-object-example</a:t>
+              <a:rPr lang="en-US" altLang="zh-CN" dirty="0"/>
+              <a:t> delete namespace quota-object-example</a:t>
             </a:r>
           </a:p>
           <a:p>
@@ -6897,7 +6961,7 @@
           <a:lstStyle/>
           <a:p>
             <a:r>
-              <a:rPr lang="en-US" altLang="zh-CN" dirty="0" smtClean="0"/>
+              <a:rPr lang="en-US" altLang="zh-CN" dirty="0"/>
               <a:t>quota</a:t>
             </a:r>
             <a:endParaRPr kumimoji="1" lang="zh-CN" altLang="en-US" dirty="0"/>
@@ -6935,7 +6999,6 @@
               <a:rPr lang="en-US" altLang="zh-CN" dirty="0"/>
               <a:t> --namespace=quota-object-example </a:t>
             </a:r>
-            <a:endParaRPr lang="en-US" altLang="zh-CN" dirty="0" smtClean="0"/>
           </a:p>
           <a:p>
             <a:r>
@@ -6964,7 +7027,7 @@
             </a:r>
           </a:p>
           <a:p>
-            <a:endParaRPr lang="en-US" altLang="zh-CN" dirty="0" smtClean="0">
+            <a:endParaRPr lang="en-US" altLang="zh-CN" dirty="0">
               <a:effectLst/>
             </a:endParaRPr>
           </a:p>
@@ -7005,7 +7068,7 @@
             </a:r>
           </a:p>
           <a:p>
-            <a:endParaRPr lang="en-US" altLang="zh-CN" dirty="0" smtClean="0">
+            <a:endParaRPr lang="en-US" altLang="zh-CN" dirty="0">
               <a:effectLst/>
             </a:endParaRPr>
           </a:p>
@@ -7146,7 +7209,7 @@
             </a:r>
           </a:p>
           <a:p>
-            <a:endParaRPr kumimoji="1" lang="en-US" altLang="zh-CN" dirty="0" smtClean="0"/>
+            <a:endParaRPr kumimoji="1" lang="en-US" altLang="zh-CN" dirty="0"/>
           </a:p>
           <a:p>
             <a:r>
@@ -7155,11 +7218,7 @@
             </a:r>
             <a:r>
               <a:rPr lang="en-US" altLang="zh-CN" dirty="0"/>
-              <a:t> apply -f quota-mem-cpu-pod-2.yaml --</a:t>
-            </a:r>
-            <a:r>
-              <a:rPr lang="en-US" altLang="zh-CN" dirty="0" smtClean="0"/>
-              <a:t>namespace=quota-object-example</a:t>
+              <a:t> apply -f quota-mem-cpu-pod-2.yaml --namespace=quota-object-example</a:t>
             </a:r>
           </a:p>
           <a:p>
@@ -7190,14 +7249,10 @@
             </a:r>
             <a:r>
               <a:rPr lang="en-US" altLang="zh-CN" dirty="0"/>
-              <a:t> get deployment pod-quota-demo --namespace=quota-object-example --</a:t>
-            </a:r>
-            <a:r>
-              <a:rPr lang="en-US" altLang="zh-CN" dirty="0" smtClean="0"/>
-              <a:t>output=</a:t>
-            </a:r>
-            <a:r>
-              <a:rPr lang="en-US" altLang="zh-CN" dirty="0" err="1" smtClean="0"/>
+              <a:t> get deployment pod-quota-demo --namespace=quota-object-example --output=</a:t>
+            </a:r>
+            <a:r>
+              <a:rPr lang="en-US" altLang="zh-CN" dirty="0" err="1"/>
               <a:t>yaml</a:t>
             </a:r>
             <a:endParaRPr lang="en-US" altLang="zh-CN" dirty="0"/>
@@ -7253,7 +7308,7 @@
           <a:lstStyle/>
           <a:p>
             <a:r>
-              <a:rPr lang="en-US" altLang="zh-CN" dirty="0" err="1" smtClean="0"/>
+              <a:rPr lang="en-US" altLang="zh-CN" dirty="0" err="1"/>
               <a:t>limitRange</a:t>
             </a:r>
             <a:endParaRPr kumimoji="1" lang="zh-CN" altLang="en-US" dirty="0"/>
@@ -7293,7 +7348,7 @@
             </a:r>
           </a:p>
           <a:p>
-            <a:endParaRPr kumimoji="1" lang="en-US" altLang="zh-CN" dirty="0" smtClean="0"/>
+            <a:endParaRPr kumimoji="1" lang="en-US" altLang="zh-CN" dirty="0"/>
           </a:p>
           <a:p>
             <a:r>
@@ -7474,11 +7529,11 @@
               <a:t>自定义指标，应用指标：</a:t>
             </a:r>
             <a:r>
-              <a:rPr lang="en-US" altLang="zh-CN" dirty="0" err="1" smtClean="0"/>
+              <a:rPr lang="en-US" altLang="zh-CN" dirty="0" err="1"/>
               <a:t>autoscaling</a:t>
             </a:r>
             <a:r>
-              <a:rPr lang="en-US" altLang="zh-CN" dirty="0" smtClean="0"/>
+              <a:rPr lang="en-US" altLang="zh-CN" dirty="0"/>
               <a:t>/v2beta2</a:t>
             </a:r>
           </a:p>
@@ -7488,11 +7543,11 @@
               <a:t>控制</a:t>
             </a:r>
             <a:r>
-              <a:rPr lang="en-US" altLang="zh-CN" dirty="0" smtClean="0"/>
+              <a:rPr lang="en-US" altLang="zh-CN" dirty="0"/>
               <a:t>controller</a:t>
             </a:r>
             <a:r>
-              <a:rPr lang="zh-CN" altLang="en-US" dirty="0" smtClean="0"/>
+              <a:rPr lang="zh-CN" altLang="en-US" dirty="0"/>
               <a:t>的</a:t>
             </a:r>
             <a:r>
@@ -7516,10 +7571,10 @@
               <a:t>deployment</a:t>
             </a:r>
             <a:r>
-              <a:rPr lang="zh-CN" altLang="en-US" dirty="0" smtClean="0"/>
+              <a:rPr lang="zh-CN" altLang="en-US" dirty="0"/>
               <a:t>状态</a:t>
             </a:r>
-            <a:endParaRPr lang="en-US" altLang="zh-CN" dirty="0" smtClean="0"/>
+            <a:endParaRPr lang="en-US" altLang="zh-CN" dirty="0"/>
           </a:p>
           <a:p>
             <a:r>
@@ -7548,20 +7603,16 @@
             </a:r>
             <a:r>
               <a:rPr lang="zh-CN" altLang="en-US" dirty="0"/>
-              <a:t>获取</a:t>
-            </a:r>
-            <a:r>
-              <a:rPr lang="zh-CN" altLang="en-US" dirty="0" smtClean="0"/>
-              <a:t>了</a:t>
-            </a:r>
-            <a:endParaRPr lang="en-US" altLang="zh-CN" dirty="0" smtClean="0"/>
-          </a:p>
-          <a:p>
-            <a:r>
-              <a:rPr lang="zh-CN" altLang="en-US" dirty="0" smtClean="0"/>
+              <a:t>获取了</a:t>
+            </a:r>
+            <a:endParaRPr lang="en-US" altLang="zh-CN" dirty="0"/>
+          </a:p>
+          <a:p>
+            <a:r>
+              <a:rPr lang="zh-CN" altLang="en-US" dirty="0"/>
               <a:t>伸缩副本数计算公式</a:t>
             </a:r>
-            <a:endParaRPr lang="en-US" altLang="zh-CN" dirty="0" smtClean="0"/>
+            <a:endParaRPr lang="en-US" altLang="zh-CN" dirty="0"/>
           </a:p>
           <a:p>
             <a:pPr lvl="1"/>
@@ -7595,11 +7646,7 @@
             </a:r>
             <a:r>
               <a:rPr lang="en-US" altLang="zh-CN" b="1" dirty="0"/>
-              <a:t> </a:t>
-            </a:r>
-            <a:r>
-              <a:rPr lang="en-US" altLang="zh-CN" b="1" dirty="0" smtClean="0"/>
-              <a:t>)]</a:t>
+              <a:t> )]</a:t>
             </a:r>
             <a:endParaRPr lang="zh-CN" altLang="en-US" dirty="0"/>
           </a:p>
@@ -7614,11 +7661,7 @@
             </a:r>
             <a:r>
               <a:rPr lang="zh-CN" altLang="en-US" dirty="0"/>
-              <a:t>使用时，才会使用滚动更新</a:t>
-            </a:r>
-            <a:r>
-              <a:rPr lang="zh-CN" altLang="en-US" dirty="0" smtClean="0"/>
-              <a:t>策略</a:t>
+              <a:t>使用时，才会使用滚动更新策略</a:t>
             </a:r>
             <a:endParaRPr lang="en-US" altLang="zh-CN" dirty="0"/>
           </a:p>
@@ -7804,7 +7847,7 @@
             <a:endParaRPr lang="en-US" altLang="zh-CN" dirty="0"/>
           </a:p>
           <a:p>
-            <a:endParaRPr kumimoji="1" lang="en-US" altLang="zh-CN" dirty="0" smtClean="0"/>
+            <a:endParaRPr kumimoji="1" lang="en-US" altLang="zh-CN" dirty="0"/>
           </a:p>
           <a:p>
             <a:r>
@@ -7896,14 +7939,13 @@
               <a:t> get deployment </a:t>
             </a:r>
             <a:r>
-              <a:rPr lang="en-US" altLang="zh-CN" dirty="0" err="1" smtClean="0"/>
+              <a:rPr lang="en-US" altLang="zh-CN" dirty="0" err="1"/>
               <a:t>php</a:t>
             </a:r>
             <a:r>
-              <a:rPr lang="en-US" altLang="zh-CN" dirty="0" smtClean="0"/>
+              <a:rPr lang="en-US" altLang="zh-CN" dirty="0"/>
               <a:t>-apache</a:t>
             </a:r>
-            <a:endParaRPr lang="en-US" altLang="zh-CN" dirty="0"/>
           </a:p>
         </p:txBody>
       </p:sp>
@@ -7953,7 +7995,7 @@
           <a:lstStyle/>
           <a:p>
             <a:r>
-              <a:rPr kumimoji="1" lang="en-US" altLang="zh-CN" dirty="0" smtClean="0"/>
+              <a:rPr kumimoji="1" lang="en-US" altLang="zh-CN" dirty="0"/>
               <a:t>helm</a:t>
             </a:r>
             <a:endParaRPr kumimoji="1" lang="zh-CN" altLang="en-US" dirty="0"/>
@@ -7999,7 +8041,7 @@
             </a:r>
           </a:p>
           <a:p>
-            <a:endParaRPr kumimoji="1" lang="en-US" altLang="zh-CN" dirty="0" smtClean="0"/>
+            <a:endParaRPr kumimoji="1" lang="en-US" altLang="zh-CN" dirty="0"/>
           </a:p>
           <a:p>
             <a:r>
@@ -8119,7 +8161,7 @@
             <a:endParaRPr lang="en-US" altLang="zh-CN" dirty="0"/>
           </a:p>
           <a:p>
-            <a:endParaRPr kumimoji="1" lang="en-US" altLang="zh-CN" dirty="0" smtClean="0"/>
+            <a:endParaRPr kumimoji="1" lang="en-US" altLang="zh-CN" dirty="0"/>
           </a:p>
           <a:p>
             <a:r>
@@ -8158,13 +8200,8 @@
             </a:r>
             <a:r>
               <a:rPr lang="en-US" altLang="zh-CN" dirty="0"/>
-              <a:t> --patch='[{"op": "add", "path": "/spec/template/spec/containers/0/command", "value": ["/tiller", "--listen=localhost:44134</a:t>
-            </a:r>
-            <a:r>
-              <a:rPr lang="en-US" altLang="zh-CN" dirty="0" smtClean="0"/>
-              <a:t>"]}]'</a:t>
-            </a:r>
-            <a:endParaRPr lang="en-US" altLang="zh-CN" dirty="0"/>
+              <a:t> --patch='[{"op": "add", "path": "/spec/template/spec/containers/0/command", "value": ["/tiller", "--listen=localhost:44134"]}]'</a:t>
+            </a:r>
           </a:p>
         </p:txBody>
       </p:sp>
